--- a/Project2/knapsackProblemOnePage.pptx
+++ b/Project2/knapsackProblemOnePage.pptx
@@ -104,6 +104,11 @@
       </a:defRPr>
     </a:lvl9pPr>
   </p:defaultTextStyle>
+  <p:extLst>
+    <p:ext uri="{EFAFB233-063F-42B5-8137-9DF3F51BA10A}">
+      <p15:sldGuideLst xmlns:p15="http://schemas.microsoft.com/office/powerpoint/2012/main"/>
+    </p:ext>
+  </p:extLst>
 </p:presentation>
 </file>
 
@@ -3890,7 +3895,7 @@
         </p:nvSpPr>
         <p:spPr>
           <a:xfrm>
-            <a:off x="8270155" y="2615968"/>
+            <a:off x="8270155" y="2490133"/>
             <a:ext cx="3330429" cy="385893"/>
           </a:xfrm>
           <a:prstGeom prst="rect">
@@ -3942,7 +3947,7 @@
         </p:nvSpPr>
         <p:spPr>
           <a:xfrm>
-            <a:off x="8355443" y="4773339"/>
+            <a:off x="8355443" y="5669134"/>
             <a:ext cx="3330429" cy="385893"/>
           </a:xfrm>
           <a:prstGeom prst="rect">
@@ -4360,8 +4365,8 @@
         </p:nvSpPr>
         <p:spPr>
           <a:xfrm>
-            <a:off x="8313498" y="3064796"/>
-            <a:ext cx="3330429" cy="1569660"/>
+            <a:off x="8313498" y="2838293"/>
+            <a:ext cx="3330429" cy="2862322"/>
           </a:xfrm>
           <a:prstGeom prst="rect">
             <a:avLst/>
@@ -4376,7 +4381,13 @@
           <a:p>
             <a:r>
               <a:rPr lang="pt-BR" sz="1200" dirty="0"/>
-              <a:t>Foi possível resolver o problema da mochila e também do cargo de forma eficiente utilizado o algoritmo GA. O valor do fitness se estabiliza num patamar ótimo dependendo dos dados de entrada. Se há uma população inicial baixa ou extremamente alta, há uma grande tendência de uma parada prematura, isso ocorre também com cromossomos com baixo números de alelos.</a:t>
+              <a:t>Foi possível resolver o problema da mochila e também do cargo de forma eficiente utilizado o algoritmo GA. O valor do fitness sempre se estabiliza num patamar ótimo dependendo dos dados de entrada. Se há uma população inicial baixa ou extremamente alta, há uma grande tendência de uma parada prematura, isso ocorre também com cromossomos com baixo números de alelos.</a:t>
+            </a:r>
+          </a:p>
+          <a:p>
+            <a:r>
+              <a:rPr lang="pt-BR" sz="1200" dirty="0"/>
+              <a:t>O resultado mais significativo deste projeto foi  o entendimento que o algoritmo GA pode ser estendido para  solucionar problemas onde hajam situações onde envolvam otimização de espaços que envolvam múltiplas variáveis, não apenas peso e valor.</a:t>
             </a:r>
           </a:p>
         </p:txBody>
@@ -4395,7 +4406,7 @@
         </p:nvSpPr>
         <p:spPr>
           <a:xfrm>
-            <a:off x="8303710" y="5249091"/>
+            <a:off x="8303710" y="6077774"/>
             <a:ext cx="2906565" cy="553998"/>
           </a:xfrm>
           <a:prstGeom prst="rect">
